--- a/dubbo/Dubbo 分析之SPI v1.0 (一).pptx
+++ b/dubbo/Dubbo 分析之SPI v1.0 (一).pptx
@@ -13597,7 +13597,6 @@
             </a:r>
             <a:r>
               <a:rPr lang="en-US" altLang="zh-CN" b="1" dirty="0">
-                <a:ln/>
                 <a:solidFill>
                   <a:schemeClr val="accent1"/>
                 </a:solidFill>
@@ -13614,7 +13613,6 @@
             </a:r>
             <a:r>
               <a:rPr lang="en-US" altLang="zh-CN" b="1" dirty="0">
-                <a:ln/>
                 <a:solidFill>
                   <a:schemeClr val="accent1"/>
                 </a:solidFill>
@@ -13675,7 +13673,6 @@
             </a:r>
             <a:r>
               <a:rPr lang="zh-CN" altLang="en-US" b="1" dirty="0">
-                <a:ln/>
                 <a:solidFill>
                   <a:schemeClr val="accent1"/>
                 </a:solidFill>
@@ -14475,7 +14472,6 @@
             </a:pPr>
             <a:r>
               <a:rPr lang="en-US" altLang="zh-CN" sz="2400" b="1" dirty="0" smtClean="0">
-                <a:ln/>
                 <a:solidFill>
                   <a:schemeClr val="tx1"/>
                 </a:solidFill>
@@ -14495,7 +14491,6 @@
             </a:r>
             <a:r>
               <a:rPr lang="zh-CN" altLang="en-US" sz="2400" b="1" dirty="0" smtClean="0">
-                <a:ln/>
                 <a:solidFill>
                   <a:schemeClr val="tx1"/>
                 </a:solidFill>
@@ -14515,7 +14510,6 @@
             </a:r>
             <a:r>
               <a:rPr lang="en-US" altLang="zh-CN" sz="2400" b="1" dirty="0" smtClean="0">
-                <a:ln/>
                 <a:solidFill>
                   <a:schemeClr val="tx1"/>
                 </a:solidFill>
@@ -14534,7 +14528,6 @@
               <a:t>SPI</a:t>
             </a:r>
             <a:endParaRPr lang="en-US" altLang="zh-CN" sz="2400" b="1" dirty="0" smtClean="0">
-              <a:ln/>
               <a:solidFill>
                 <a:schemeClr val="tx1"/>
               </a:solidFill>
@@ -15719,7 +15712,6 @@
             </a:r>
             <a:r>
               <a:rPr lang="zh-CN" dirty="0">
-                <a:ln/>
                 <a:solidFill>
                   <a:schemeClr val="accent1"/>
                 </a:solidFill>
@@ -18030,19 +18022,13 @@
               <a:rPr lang="en-US" altLang="zh-CN" dirty="0">
                 <a:sym typeface="+mn-ea"/>
               </a:rPr>
-              <a:t>-- </a:t>
-            </a:r>
-            <a:r>
-              <a:rPr lang="en-US" altLang="zh-CN" dirty="0">
-                <a:sym typeface="+mn-ea"/>
-              </a:rPr>
-              <a:t>SPI</a:t>
+              <a:t>-- SPI</a:t>
             </a:r>
             <a:r>
               <a:rPr lang="zh-CN" altLang="en-US" dirty="0">
                 <a:sym typeface="+mn-ea"/>
               </a:rPr>
-              <a:t>接口的多实现类</a:t>
+              <a:t>接口的拓展文件</a:t>
             </a:r>
             <a:endParaRPr lang="zh-CN" altLang="en-US" dirty="0"/>
           </a:p>
@@ -18061,7 +18047,7 @@
         </p:nvSpPr>
         <p:spPr>
           <a:xfrm>
-            <a:off x="4995545" y="1562100"/>
+            <a:off x="5023485" y="1562100"/>
             <a:ext cx="6163945" cy="1029970"/>
           </a:xfrm>
           <a:prstGeom prst="rect">
@@ -19814,7 +19800,6 @@
             </a:pPr>
             <a:r>
               <a:rPr lang="en-US" altLang="zh-CN" sz="2400" b="1" dirty="0" smtClean="0">
-                <a:ln/>
                 <a:solidFill>
                   <a:schemeClr val="tx1"/>
                 </a:solidFill>
@@ -19834,7 +19819,6 @@
             </a:r>
             <a:r>
               <a:rPr lang="zh-CN" altLang="en-US" sz="2400" b="1" dirty="0" smtClean="0">
-                <a:ln/>
                 <a:solidFill>
                   <a:schemeClr val="tx1"/>
                 </a:solidFill>
@@ -19854,7 +19838,6 @@
             </a:r>
             <a:r>
               <a:rPr lang="en-US" altLang="zh-CN" sz="2400" b="1" dirty="0" smtClean="0">
-                <a:ln/>
                 <a:solidFill>
                   <a:schemeClr val="tx1"/>
                 </a:solidFill>
@@ -19873,7 +19856,6 @@
               <a:t>SPI</a:t>
             </a:r>
             <a:endParaRPr lang="en-US" altLang="zh-CN" sz="2400" b="1" dirty="0" smtClean="0">
-              <a:ln/>
               <a:solidFill>
                 <a:schemeClr val="tx1"/>
               </a:solidFill>
@@ -19929,7 +19911,6 @@
             </a:pPr>
             <a:r>
               <a:rPr lang="en-US" altLang="zh-CN" sz="2400" b="1" dirty="0" smtClean="0">
-                <a:ln/>
                 <a:solidFill>
                   <a:schemeClr val="accent1"/>
                 </a:solidFill>
@@ -19949,7 +19930,6 @@
             </a:r>
             <a:r>
               <a:rPr lang="zh-CN" altLang="en-US" sz="2400" b="1" dirty="0" smtClean="0">
-                <a:ln/>
                 <a:solidFill>
                   <a:schemeClr val="accent1"/>
                 </a:solidFill>
@@ -19969,7 +19949,6 @@
             </a:r>
             <a:r>
               <a:rPr lang="en-US" altLang="zh-CN" sz="2400" b="1" dirty="0" smtClean="0">
-                <a:ln/>
                 <a:solidFill>
                   <a:schemeClr val="accent1"/>
                 </a:solidFill>
@@ -19988,7 +19967,6 @@
               <a:t>SPI</a:t>
             </a:r>
             <a:endParaRPr lang="en-US" altLang="zh-CN" sz="2400" b="1" dirty="0" smtClean="0">
-              <a:ln/>
               <a:solidFill>
                 <a:schemeClr val="accent1"/>
               </a:solidFill>

--- a/dubbo/Dubbo 分析之SPI v1.0 (一).pptx
+++ b/dubbo/Dubbo 分析之SPI v1.0 (一).pptx
@@ -11581,7 +11581,7 @@
               <a:rPr lang="en-US" altLang="zh-CN" dirty="0">
                 <a:sym typeface="+mn-ea"/>
               </a:rPr>
-              <a:t>, j</a:t>
+              <a:t>, </a:t>
             </a:r>
             <a:r>
               <a:rPr lang="zh-CN" altLang="en-US" dirty="0">
@@ -13609,7 +13609,7 @@
                 </a:effectLst>
                 <a:sym typeface="+mn-ea"/>
               </a:rPr>
-              <a:t>dirPath</a:t>
+              <a:t>dirPath + t</a:t>
             </a:r>
             <a:r>
               <a:rPr lang="en-US" altLang="zh-CN" b="1" dirty="0">
@@ -13625,7 +13625,7 @@
                 </a:effectLst>
                 <a:sym typeface="+mn-ea"/>
               </a:rPr>
-              <a:t> + ype.getMethodName()</a:t>
+              <a:t>ype.getMethodName()</a:t>
             </a:r>
             <a:r>
               <a:rPr lang="en-US" altLang="zh-CN" dirty="0">
@@ -19060,7 +19060,21 @@
                 <a:ea typeface="+mn-ea"/>
                 <a:cs typeface="+mn-cs"/>
               </a:rPr>
-              <a:t>public class SipMainApp {</a:t>
+              <a:t>public class Spi</a:t>
+            </a:r>
+            <a:r>
+              <a:rPr lang="en-US" dirty="0">
+                <a:solidFill>
+                  <a:schemeClr val="tx1">
+                    <a:lumMod val="65000"/>
+                    <a:lumOff val="35000"/>
+                  </a:schemeClr>
+                </a:solidFill>
+                <a:latin typeface="+mn-lt"/>
+                <a:ea typeface="+mn-ea"/>
+                <a:cs typeface="+mn-cs"/>
+              </a:rPr>
+              <a:t>MainApp {</a:t>
             </a:r>
             <a:endParaRPr lang="en-US" dirty="0">
               <a:solidFill>
